--- a/term project 3/데이터베이스 발표.pptx
+++ b/term project 3/데이터베이스 발표.pptx
@@ -17,6 +17,7 @@
     <p:sldId id="280" r:id="rId11"/>
     <p:sldId id="281" r:id="rId12"/>
     <p:sldId id="282" r:id="rId13"/>
+    <p:sldId id="285" r:id="rId14"/>
   </p:sldIdLst>
   <p:sldSz cx="12192000" cy="6858000"/>
   <p:notesSz cx="6858000" cy="9144000"/>
@@ -6555,6 +6556,79 @@
 </p:sld>
 </file>
 
+<file path=ppt/slides/slide13.xml><?xml version="1.0" encoding="utf-8"?>
+<p:sld xmlns:a="http://schemas.openxmlformats.org/drawingml/2006/main" xmlns:r="http://schemas.openxmlformats.org/officeDocument/2006/relationships" xmlns:p="http://schemas.openxmlformats.org/presentationml/2006/main">
+  <p:cSld>
+    <p:spTree>
+      <p:nvGrpSpPr>
+        <p:cNvPr id="1" name=""/>
+        <p:cNvGrpSpPr/>
+        <p:nvPr/>
+      </p:nvGrpSpPr>
+      <p:grpSpPr>
+        <a:xfrm>
+          <a:off x="0" y="0"/>
+          <a:ext cx="0" cy="0"/>
+          <a:chOff x="0" y="0"/>
+          <a:chExt cx="0" cy="0"/>
+        </a:xfrm>
+      </p:grpSpPr>
+      <p:sp>
+        <p:nvSpPr>
+          <p:cNvPr id="2" name="제목 1">
+            <a:extLst>
+              <a:ext uri="{FF2B5EF4-FFF2-40B4-BE49-F238E27FC236}">
+                <a16:creationId xmlns:a16="http://schemas.microsoft.com/office/drawing/2014/main" id="{8AF67181-1075-42C7-9B49-A4EF004D481A}"/>
+              </a:ext>
+            </a:extLst>
+          </p:cNvPr>
+          <p:cNvSpPr>
+            <a:spLocks noGrp="1"/>
+          </p:cNvSpPr>
+          <p:nvPr>
+            <p:ph type="ctrTitle"/>
+          </p:nvPr>
+        </p:nvSpPr>
+        <p:spPr/>
+        <p:txBody>
+          <a:bodyPr/>
+          <a:lstStyle/>
+          <a:p>
+            <a:r>
+              <a:rPr lang="ko-KR" altLang="en-US" dirty="0" smtClean="0"/>
+              <a:t>감사합니다</a:t>
+            </a:r>
+            <a:r>
+              <a:rPr lang="en-US" altLang="ko-KR" dirty="0"/>
+              <a:t/>
+            </a:r>
+            <a:br>
+              <a:rPr lang="en-US" altLang="ko-KR" dirty="0"/>
+            </a:br>
+            <a:endParaRPr lang="ko-KR" altLang="en-US" dirty="0"/>
+          </a:p>
+        </p:txBody>
+      </p:sp>
+    </p:spTree>
+    <p:extLst>
+      <p:ext uri="{BB962C8B-B14F-4D97-AF65-F5344CB8AC3E}">
+        <p14:creationId xmlns:p14="http://schemas.microsoft.com/office/powerpoint/2010/main" val="1707175124"/>
+      </p:ext>
+    </p:extLst>
+  </p:cSld>
+  <p:clrMapOvr>
+    <a:masterClrMapping/>
+  </p:clrMapOvr>
+  <p:timing>
+    <p:tnLst>
+      <p:par>
+        <p:cTn id="1" dur="indefinite" restart="never" nodeType="tmRoot"/>
+      </p:par>
+    </p:tnLst>
+  </p:timing>
+</p:sld>
+</file>
+
 <file path=ppt/slides/slide2.xml><?xml version="1.0" encoding="utf-8"?>
 <p:sld xmlns:a="http://schemas.openxmlformats.org/drawingml/2006/main" xmlns:r="http://schemas.openxmlformats.org/officeDocument/2006/relationships" xmlns:p="http://schemas.openxmlformats.org/presentationml/2006/main">
   <p:cSld>
